--- a/presentation_scitech2024.pptx
+++ b/presentation_scitech2024.pptx
@@ -5,7 +5,7 @@
     <p:sldMasterId id="2147483648" r:id="rId1"/>
   </p:sldMasterIdLst>
   <p:notesMasterIdLst>
-    <p:notesMasterId r:id="rId16"/>
+    <p:notesMasterId r:id="rId18"/>
   </p:notesMasterIdLst>
   <p:sldIdLst>
     <p:sldId id="256" r:id="rId2"/>
@@ -15,13 +15,15 @@
     <p:sldId id="273" r:id="rId6"/>
     <p:sldId id="286" r:id="rId7"/>
     <p:sldId id="264" r:id="rId8"/>
-    <p:sldId id="284" r:id="rId9"/>
-    <p:sldId id="287" r:id="rId10"/>
-    <p:sldId id="288" r:id="rId11"/>
-    <p:sldId id="279" r:id="rId12"/>
-    <p:sldId id="281" r:id="rId13"/>
-    <p:sldId id="283" r:id="rId14"/>
-    <p:sldId id="263" r:id="rId15"/>
+    <p:sldId id="289" r:id="rId9"/>
+    <p:sldId id="284" r:id="rId10"/>
+    <p:sldId id="287" r:id="rId11"/>
+    <p:sldId id="290" r:id="rId12"/>
+    <p:sldId id="288" r:id="rId13"/>
+    <p:sldId id="279" r:id="rId14"/>
+    <p:sldId id="281" r:id="rId15"/>
+    <p:sldId id="283" r:id="rId16"/>
+    <p:sldId id="263" r:id="rId17"/>
   </p:sldIdLst>
   <p:sldSz cx="12192000" cy="6858000"/>
   <p:notesSz cx="6858000" cy="9144000"/>
@@ -230,7 +232,7 @@
           <a:p>
             <a:fld id="{7F988B64-4A9C-D042-8443-E9FAACD15C52}" type="datetimeFigureOut">
               <a:rPr lang="en-US" smtClean="0"/>
-              <a:t>1/2/2024</a:t>
+              <a:t>1/3/2024</a:t>
             </a:fld>
             <a:endParaRPr lang="en-US"/>
           </a:p>
@@ -655,211 +657,9 @@
           <a:bodyPr/>
           <a:lstStyle/>
           <a:p>
-            <a:pPr rtl="0">
-              <a:spcBef>
-                <a:spcPts val="0"/>
-              </a:spcBef>
-              <a:spcAft>
-                <a:spcPts val="0"/>
-              </a:spcAft>
-            </a:pPr>
-            <a:r>
-              <a:rPr lang="en-US" sz="1800" b="0" i="0" u="none" strike="noStrike" dirty="0">
-                <a:solidFill>
-                  <a:srgbClr val="000000"/>
-                </a:solidFill>
-                <a:effectLst/>
-                <a:latin typeface="Arial" panose="020B0604020202020204" pitchFamily="34" charset="0"/>
-              </a:rPr>
-              <a:t>Here is our reservation algorithm.</a:t>
-            </a:r>
-            <a:endParaRPr lang="en-US" b="0" dirty="0">
-              <a:effectLst/>
-            </a:endParaRPr>
-          </a:p>
-          <a:p>
-            <a:pPr rtl="0">
-              <a:spcBef>
-                <a:spcPts val="0"/>
-              </a:spcBef>
-              <a:spcAft>
-                <a:spcPts val="0"/>
-              </a:spcAft>
-            </a:pPr>
             <a:br>
-              <a:rPr lang="en-US" b="0" dirty="0">
-                <a:effectLst/>
-              </a:rPr>
+              <a:rPr lang="en-US" dirty="0"/>
             </a:br>
-            <a:r>
-              <a:rPr lang="en-US" sz="1800" b="0" i="0" u="none" strike="noStrike" dirty="0">
-                <a:solidFill>
-                  <a:srgbClr val="000000"/>
-                </a:solidFill>
-                <a:effectLst/>
-                <a:latin typeface="Arial" panose="020B0604020202020204" pitchFamily="34" charset="0"/>
-              </a:rPr>
-              <a:t>Until the agent reaches its destination. </a:t>
-            </a:r>
-            <a:endParaRPr lang="en-US" b="0" dirty="0">
-              <a:effectLst/>
-            </a:endParaRPr>
-          </a:p>
-          <a:p>
-            <a:pPr rtl="0">
-              <a:spcBef>
-                <a:spcPts val="0"/>
-              </a:spcBef>
-              <a:spcAft>
-                <a:spcPts val="0"/>
-              </a:spcAft>
-            </a:pPr>
-            <a:r>
-              <a:rPr lang="en-US" sz="1800" b="0" i="0" u="none" strike="noStrike" dirty="0">
-                <a:solidFill>
-                  <a:srgbClr val="000000"/>
-                </a:solidFill>
-                <a:effectLst/>
-                <a:latin typeface="Arial" panose="020B0604020202020204" pitchFamily="34" charset="0"/>
-              </a:rPr>
-              <a:t>It constructs a multi-resolution graph, </a:t>
-            </a:r>
-            <a:endParaRPr lang="en-US" b="0" dirty="0">
-              <a:effectLst/>
-            </a:endParaRPr>
-          </a:p>
-          <a:p>
-            <a:pPr rtl="0">
-              <a:spcBef>
-                <a:spcPts val="0"/>
-              </a:spcBef>
-              <a:spcAft>
-                <a:spcPts val="0"/>
-              </a:spcAft>
-            </a:pPr>
-            <a:r>
-              <a:rPr lang="en-US" sz="1800" b="0" i="0" u="none" strike="noStrike" dirty="0">
-                <a:solidFill>
-                  <a:srgbClr val="000000"/>
-                </a:solidFill>
-                <a:effectLst/>
-                <a:latin typeface="Arial" panose="020B0604020202020204" pitchFamily="34" charset="0"/>
-              </a:rPr>
-              <a:t>defines the initial block and the goal block,</a:t>
-            </a:r>
-            <a:r>
-              <a:rPr lang="en-US" sz="1800" b="1" i="0" u="none" strike="noStrike" dirty="0">
-                <a:solidFill>
-                  <a:srgbClr val="FF0000"/>
-                </a:solidFill>
-                <a:effectLst/>
-                <a:latin typeface="Arial" panose="020B0604020202020204" pitchFamily="34" charset="0"/>
-              </a:rPr>
-              <a:t> </a:t>
-            </a:r>
-            <a:endParaRPr lang="en-US" b="0" dirty="0">
-              <a:effectLst/>
-            </a:endParaRPr>
-          </a:p>
-          <a:p>
-            <a:pPr rtl="0">
-              <a:spcBef>
-                <a:spcPts val="0"/>
-              </a:spcBef>
-              <a:spcAft>
-                <a:spcPts val="0"/>
-              </a:spcAft>
-            </a:pPr>
-            <a:r>
-              <a:rPr lang="en-US" sz="1800" b="1" i="0" u="none" strike="noStrike" dirty="0">
-                <a:solidFill>
-                  <a:srgbClr val="FF0000"/>
-                </a:solidFill>
-                <a:effectLst/>
-                <a:latin typeface="Arial" panose="020B0604020202020204" pitchFamily="34" charset="0"/>
-              </a:rPr>
-              <a:t>runs MSA* to find the optimal path from the initial block to the goal block</a:t>
-            </a:r>
-            <a:r>
-              <a:rPr lang="en-US" sz="1800" b="0" i="0" u="none" strike="noStrike" dirty="0">
-                <a:solidFill>
-                  <a:srgbClr val="000000"/>
-                </a:solidFill>
-                <a:effectLst/>
-                <a:latin typeface="Arial" panose="020B0604020202020204" pitchFamily="34" charset="0"/>
-              </a:rPr>
-              <a:t>.</a:t>
-            </a:r>
-          </a:p>
-          <a:p>
-            <a:pPr rtl="0">
-              <a:spcBef>
-                <a:spcPts val="0"/>
-              </a:spcBef>
-              <a:spcAft>
-                <a:spcPts val="0"/>
-              </a:spcAft>
-            </a:pPr>
-            <a:r>
-              <a:rPr lang="en-US" sz="1800" b="0" i="0" u="none" strike="noStrike" dirty="0">
-                <a:solidFill>
-                  <a:srgbClr val="000000"/>
-                </a:solidFill>
-                <a:effectLst/>
-                <a:latin typeface="Arial" panose="020B0604020202020204" pitchFamily="34" charset="0"/>
-              </a:rPr>
-              <a:t>Then, it reserve the nodes in the front of the path. </a:t>
-            </a:r>
-            <a:endParaRPr lang="en-US" b="0" dirty="0">
-              <a:effectLst/>
-            </a:endParaRPr>
-          </a:p>
-          <a:p>
-            <a:br>
-              <a:rPr lang="en-US" b="0" dirty="0">
-                <a:effectLst/>
-              </a:rPr>
-            </a:br>
-            <a:r>
-              <a:rPr lang="en-US" sz="1800" b="1" i="0" u="none" strike="noStrike" dirty="0">
-                <a:solidFill>
-                  <a:srgbClr val="FF0000"/>
-                </a:solidFill>
-                <a:effectLst/>
-                <a:latin typeface="Arial" panose="020B0604020202020204" pitchFamily="34" charset="0"/>
-              </a:rPr>
-              <a:t>After</a:t>
-            </a:r>
-            <a:r>
-              <a:rPr lang="en-US" sz="1800" b="0" i="0" u="none" strike="noStrike" dirty="0">
-                <a:solidFill>
-                  <a:srgbClr val="000000"/>
-                </a:solidFill>
-                <a:effectLst/>
-                <a:latin typeface="Arial" panose="020B0604020202020204" pitchFamily="34" charset="0"/>
-              </a:rPr>
-              <a:t> the reservation, the agent moves along the path to the next node </a:t>
-            </a:r>
-            <a:r>
-              <a:rPr lang="en-US" sz="1800" b="1" i="0" u="none" strike="noStrike" dirty="0">
-                <a:solidFill>
-                  <a:srgbClr val="FF0000"/>
-                </a:solidFill>
-                <a:effectLst/>
-                <a:latin typeface="Arial" panose="020B0604020202020204" pitchFamily="34" charset="0"/>
-              </a:rPr>
-              <a:t>and</a:t>
-            </a:r>
-            <a:r>
-              <a:rPr lang="en-US" sz="1800" b="0" i="0" u="none" strike="noStrike" dirty="0">
-                <a:solidFill>
-                  <a:srgbClr val="000000"/>
-                </a:solidFill>
-                <a:effectLst/>
-                <a:latin typeface="Arial" panose="020B0604020202020204" pitchFamily="34" charset="0"/>
-              </a:rPr>
-              <a:t> repeats the previous processes.</a:t>
-            </a:r>
             <a:endParaRPr lang="en-US" dirty="0"/>
           </a:p>
         </p:txBody>
@@ -890,7 +690,7 @@
     </p:spTree>
     <p:extLst>
       <p:ext uri="{BB962C8B-B14F-4D97-AF65-F5344CB8AC3E}">
-        <p14:creationId xmlns:p14="http://schemas.microsoft.com/office/powerpoint/2010/main" val="1681626650"/>
+        <p14:creationId xmlns:p14="http://schemas.microsoft.com/office/powerpoint/2010/main" val="2398848532"/>
       </p:ext>
     </p:extLst>
   </p:cSld>
@@ -944,211 +744,6 @@
           <a:bodyPr/>
           <a:lstStyle/>
           <a:p>
-            <a:pPr rtl="0">
-              <a:spcBef>
-                <a:spcPts val="0"/>
-              </a:spcBef>
-              <a:spcAft>
-                <a:spcPts val="0"/>
-              </a:spcAft>
-            </a:pPr>
-            <a:r>
-              <a:rPr lang="en-US" sz="1800" b="0" i="0" u="none" strike="noStrike" dirty="0">
-                <a:solidFill>
-                  <a:srgbClr val="000000"/>
-                </a:solidFill>
-                <a:effectLst/>
-                <a:latin typeface="Arial" panose="020B0604020202020204" pitchFamily="34" charset="0"/>
-              </a:rPr>
-              <a:t>Here is our reservation algorithm.</a:t>
-            </a:r>
-            <a:endParaRPr lang="en-US" b="0" dirty="0">
-              <a:effectLst/>
-            </a:endParaRPr>
-          </a:p>
-          <a:p>
-            <a:pPr rtl="0">
-              <a:spcBef>
-                <a:spcPts val="0"/>
-              </a:spcBef>
-              <a:spcAft>
-                <a:spcPts val="0"/>
-              </a:spcAft>
-            </a:pPr>
-            <a:br>
-              <a:rPr lang="en-US" b="0" dirty="0">
-                <a:effectLst/>
-              </a:rPr>
-            </a:br>
-            <a:r>
-              <a:rPr lang="en-US" sz="1800" b="0" i="0" u="none" strike="noStrike" dirty="0">
-                <a:solidFill>
-                  <a:srgbClr val="000000"/>
-                </a:solidFill>
-                <a:effectLst/>
-                <a:latin typeface="Arial" panose="020B0604020202020204" pitchFamily="34" charset="0"/>
-              </a:rPr>
-              <a:t>Until the agent reaches its destination. </a:t>
-            </a:r>
-            <a:endParaRPr lang="en-US" b="0" dirty="0">
-              <a:effectLst/>
-            </a:endParaRPr>
-          </a:p>
-          <a:p>
-            <a:pPr rtl="0">
-              <a:spcBef>
-                <a:spcPts val="0"/>
-              </a:spcBef>
-              <a:spcAft>
-                <a:spcPts val="0"/>
-              </a:spcAft>
-            </a:pPr>
-            <a:r>
-              <a:rPr lang="en-US" sz="1800" b="0" i="0" u="none" strike="noStrike" dirty="0">
-                <a:solidFill>
-                  <a:srgbClr val="000000"/>
-                </a:solidFill>
-                <a:effectLst/>
-                <a:latin typeface="Arial" panose="020B0604020202020204" pitchFamily="34" charset="0"/>
-              </a:rPr>
-              <a:t>It constructs a multi-resolution graph, </a:t>
-            </a:r>
-            <a:endParaRPr lang="en-US" b="0" dirty="0">
-              <a:effectLst/>
-            </a:endParaRPr>
-          </a:p>
-          <a:p>
-            <a:pPr rtl="0">
-              <a:spcBef>
-                <a:spcPts val="0"/>
-              </a:spcBef>
-              <a:spcAft>
-                <a:spcPts val="0"/>
-              </a:spcAft>
-            </a:pPr>
-            <a:r>
-              <a:rPr lang="en-US" sz="1800" b="0" i="0" u="none" strike="noStrike" dirty="0">
-                <a:solidFill>
-                  <a:srgbClr val="000000"/>
-                </a:solidFill>
-                <a:effectLst/>
-                <a:latin typeface="Arial" panose="020B0604020202020204" pitchFamily="34" charset="0"/>
-              </a:rPr>
-              <a:t>defines the initial block and the goal block,</a:t>
-            </a:r>
-            <a:r>
-              <a:rPr lang="en-US" sz="1800" b="1" i="0" u="none" strike="noStrike" dirty="0">
-                <a:solidFill>
-                  <a:srgbClr val="FF0000"/>
-                </a:solidFill>
-                <a:effectLst/>
-                <a:latin typeface="Arial" panose="020B0604020202020204" pitchFamily="34" charset="0"/>
-              </a:rPr>
-              <a:t> </a:t>
-            </a:r>
-            <a:endParaRPr lang="en-US" b="0" dirty="0">
-              <a:effectLst/>
-            </a:endParaRPr>
-          </a:p>
-          <a:p>
-            <a:pPr rtl="0">
-              <a:spcBef>
-                <a:spcPts val="0"/>
-              </a:spcBef>
-              <a:spcAft>
-                <a:spcPts val="0"/>
-              </a:spcAft>
-            </a:pPr>
-            <a:r>
-              <a:rPr lang="en-US" sz="1800" b="1" i="0" u="none" strike="noStrike" dirty="0">
-                <a:solidFill>
-                  <a:srgbClr val="FF0000"/>
-                </a:solidFill>
-                <a:effectLst/>
-                <a:latin typeface="Arial" panose="020B0604020202020204" pitchFamily="34" charset="0"/>
-              </a:rPr>
-              <a:t>runs MSA* to find the optimal path from the initial block to the goal block</a:t>
-            </a:r>
-            <a:r>
-              <a:rPr lang="en-US" sz="1800" b="0" i="0" u="none" strike="noStrike" dirty="0">
-                <a:solidFill>
-                  <a:srgbClr val="000000"/>
-                </a:solidFill>
-                <a:effectLst/>
-                <a:latin typeface="Arial" panose="020B0604020202020204" pitchFamily="34" charset="0"/>
-              </a:rPr>
-              <a:t>.</a:t>
-            </a:r>
-          </a:p>
-          <a:p>
-            <a:pPr rtl="0">
-              <a:spcBef>
-                <a:spcPts val="0"/>
-              </a:spcBef>
-              <a:spcAft>
-                <a:spcPts val="0"/>
-              </a:spcAft>
-            </a:pPr>
-            <a:r>
-              <a:rPr lang="en-US" sz="1800" b="0" i="0" u="none" strike="noStrike" dirty="0">
-                <a:solidFill>
-                  <a:srgbClr val="000000"/>
-                </a:solidFill>
-                <a:effectLst/>
-                <a:latin typeface="Arial" panose="020B0604020202020204" pitchFamily="34" charset="0"/>
-              </a:rPr>
-              <a:t>Then, it reserve the nodes in the front of the path. </a:t>
-            </a:r>
-            <a:endParaRPr lang="en-US" b="0" dirty="0">
-              <a:effectLst/>
-            </a:endParaRPr>
-          </a:p>
-          <a:p>
-            <a:br>
-              <a:rPr lang="en-US" b="0" dirty="0">
-                <a:effectLst/>
-              </a:rPr>
-            </a:br>
-            <a:r>
-              <a:rPr lang="en-US" sz="1800" b="1" i="0" u="none" strike="noStrike" dirty="0">
-                <a:solidFill>
-                  <a:srgbClr val="FF0000"/>
-                </a:solidFill>
-                <a:effectLst/>
-                <a:latin typeface="Arial" panose="020B0604020202020204" pitchFamily="34" charset="0"/>
-              </a:rPr>
-              <a:t>After</a:t>
-            </a:r>
-            <a:r>
-              <a:rPr lang="en-US" sz="1800" b="0" i="0" u="none" strike="noStrike" dirty="0">
-                <a:solidFill>
-                  <a:srgbClr val="000000"/>
-                </a:solidFill>
-                <a:effectLst/>
-                <a:latin typeface="Arial" panose="020B0604020202020204" pitchFamily="34" charset="0"/>
-              </a:rPr>
-              <a:t> the reservation, the agent moves along the path to the next node </a:t>
-            </a:r>
-            <a:r>
-              <a:rPr lang="en-US" sz="1800" b="1" i="0" u="none" strike="noStrike" dirty="0">
-                <a:solidFill>
-                  <a:srgbClr val="FF0000"/>
-                </a:solidFill>
-                <a:effectLst/>
-                <a:latin typeface="Arial" panose="020B0604020202020204" pitchFamily="34" charset="0"/>
-              </a:rPr>
-              <a:t>and</a:t>
-            </a:r>
-            <a:r>
-              <a:rPr lang="en-US" sz="1800" b="0" i="0" u="none" strike="noStrike" dirty="0">
-                <a:solidFill>
-                  <a:srgbClr val="000000"/>
-                </a:solidFill>
-                <a:effectLst/>
-                <a:latin typeface="Arial" panose="020B0604020202020204" pitchFamily="34" charset="0"/>
-              </a:rPr>
-              <a:t> repeats the previous processes.</a:t>
-            </a:r>
             <a:endParaRPr lang="en-US" dirty="0"/>
           </a:p>
         </p:txBody>
@@ -1179,7 +774,7 @@
     </p:spTree>
     <p:extLst>
       <p:ext uri="{BB962C8B-B14F-4D97-AF65-F5344CB8AC3E}">
-        <p14:creationId xmlns:p14="http://schemas.microsoft.com/office/powerpoint/2010/main" val="553384458"/>
+        <p14:creationId xmlns:p14="http://schemas.microsoft.com/office/powerpoint/2010/main" val="716799469"/>
       </p:ext>
     </p:extLst>
   </p:cSld>
@@ -1233,6 +828,14 @@
           <a:bodyPr/>
           <a:lstStyle/>
           <a:p>
+            <a:pPr rtl="0">
+              <a:spcBef>
+                <a:spcPts val="0"/>
+              </a:spcBef>
+              <a:spcAft>
+                <a:spcPts val="0"/>
+              </a:spcAft>
+            </a:pPr>
             <a:r>
               <a:rPr lang="en-US" sz="1800" b="0" i="0" u="none" strike="noStrike" dirty="0">
                 <a:solidFill>
@@ -1241,7 +844,81 @@
                 <a:effectLst/>
                 <a:latin typeface="Arial" panose="020B0604020202020204" pitchFamily="34" charset="0"/>
               </a:rPr>
-              <a:t>We also test the MSA* in dynamic environment. The experiences show that the agent moving with MSA*, can reach the destination and avoid the moving </a:t>
+              <a:t>Here is our reservation algorithm.</a:t>
+            </a:r>
+            <a:endParaRPr lang="en-US" b="0" dirty="0">
+              <a:effectLst/>
+            </a:endParaRPr>
+          </a:p>
+          <a:p>
+            <a:pPr rtl="0">
+              <a:spcBef>
+                <a:spcPts val="0"/>
+              </a:spcBef>
+              <a:spcAft>
+                <a:spcPts val="0"/>
+              </a:spcAft>
+            </a:pPr>
+            <a:br>
+              <a:rPr lang="en-US" b="0" dirty="0">
+                <a:effectLst/>
+              </a:rPr>
+            </a:br>
+            <a:r>
+              <a:rPr lang="en-US" sz="1800" b="0" i="0" u="none" strike="noStrike" dirty="0">
+                <a:solidFill>
+                  <a:srgbClr val="000000"/>
+                </a:solidFill>
+                <a:effectLst/>
+                <a:latin typeface="Arial" panose="020B0604020202020204" pitchFamily="34" charset="0"/>
+              </a:rPr>
+              <a:t>Until the agent reaches its destination. </a:t>
+            </a:r>
+            <a:endParaRPr lang="en-US" b="0" dirty="0">
+              <a:effectLst/>
+            </a:endParaRPr>
+          </a:p>
+          <a:p>
+            <a:pPr rtl="0">
+              <a:spcBef>
+                <a:spcPts val="0"/>
+              </a:spcBef>
+              <a:spcAft>
+                <a:spcPts val="0"/>
+              </a:spcAft>
+            </a:pPr>
+            <a:r>
+              <a:rPr lang="en-US" sz="1800" b="0" i="0" u="none" strike="noStrike" dirty="0">
+                <a:solidFill>
+                  <a:srgbClr val="000000"/>
+                </a:solidFill>
+                <a:effectLst/>
+                <a:latin typeface="Arial" panose="020B0604020202020204" pitchFamily="34" charset="0"/>
+              </a:rPr>
+              <a:t>It constructs a multi-resolution graph, </a:t>
+            </a:r>
+            <a:endParaRPr lang="en-US" b="0" dirty="0">
+              <a:effectLst/>
+            </a:endParaRPr>
+          </a:p>
+          <a:p>
+            <a:pPr rtl="0">
+              <a:spcBef>
+                <a:spcPts val="0"/>
+              </a:spcBef>
+              <a:spcAft>
+                <a:spcPts val="0"/>
+              </a:spcAft>
+            </a:pPr>
+            <a:r>
+              <a:rPr lang="en-US" sz="1800" b="0" i="0" u="none" strike="noStrike" dirty="0">
+                <a:solidFill>
+                  <a:srgbClr val="000000"/>
+                </a:solidFill>
+                <a:effectLst/>
+                <a:latin typeface="Arial" panose="020B0604020202020204" pitchFamily="34" charset="0"/>
+              </a:rPr>
+              <a:t>defines the initial block and the goal block,</a:t>
             </a:r>
             <a:r>
               <a:rPr lang="en-US" sz="1800" b="1" i="0" u="none" strike="noStrike" dirty="0">
@@ -1251,7 +928,30 @@
                 <a:effectLst/>
                 <a:latin typeface="Arial" panose="020B0604020202020204" pitchFamily="34" charset="0"/>
               </a:rPr>
-              <a:t>obstacle</a:t>
+              <a:t> </a:t>
+            </a:r>
+            <a:endParaRPr lang="en-US" b="0" dirty="0">
+              <a:effectLst/>
+            </a:endParaRPr>
+          </a:p>
+          <a:p>
+            <a:pPr rtl="0">
+              <a:spcBef>
+                <a:spcPts val="0"/>
+              </a:spcBef>
+              <a:spcAft>
+                <a:spcPts val="0"/>
+              </a:spcAft>
+            </a:pPr>
+            <a:r>
+              <a:rPr lang="en-US" sz="1800" b="1" i="0" u="none" strike="noStrike" dirty="0">
+                <a:solidFill>
+                  <a:srgbClr val="FF0000"/>
+                </a:solidFill>
+                <a:effectLst/>
+                <a:latin typeface="Arial" panose="020B0604020202020204" pitchFamily="34" charset="0"/>
+              </a:rPr>
+              <a:t>runs MSA* to find the optimal path from the initial block to the goal block</a:t>
             </a:r>
             <a:r>
               <a:rPr lang="en-US" sz="1800" b="0" i="0" u="none" strike="noStrike" dirty="0">
@@ -1261,7 +961,77 @@
                 <a:effectLst/>
                 <a:latin typeface="Arial" panose="020B0604020202020204" pitchFamily="34" charset="0"/>
               </a:rPr>
-              <a:t>. </a:t>
+              <a:t>.</a:t>
+            </a:r>
+          </a:p>
+          <a:p>
+            <a:pPr rtl="0">
+              <a:spcBef>
+                <a:spcPts val="0"/>
+              </a:spcBef>
+              <a:spcAft>
+                <a:spcPts val="0"/>
+              </a:spcAft>
+            </a:pPr>
+            <a:r>
+              <a:rPr lang="en-US" sz="1800" b="0" i="0" u="none" strike="noStrike" dirty="0">
+                <a:solidFill>
+                  <a:srgbClr val="000000"/>
+                </a:solidFill>
+                <a:effectLst/>
+                <a:latin typeface="Arial" panose="020B0604020202020204" pitchFamily="34" charset="0"/>
+              </a:rPr>
+              <a:t>Then, it reserve the nodes in the front of the path. </a:t>
+            </a:r>
+            <a:endParaRPr lang="en-US" b="0" dirty="0">
+              <a:effectLst/>
+            </a:endParaRPr>
+          </a:p>
+          <a:p>
+            <a:br>
+              <a:rPr lang="en-US" b="0" dirty="0">
+                <a:effectLst/>
+              </a:rPr>
+            </a:br>
+            <a:r>
+              <a:rPr lang="en-US" sz="1800" b="1" i="0" u="none" strike="noStrike" dirty="0">
+                <a:solidFill>
+                  <a:srgbClr val="FF0000"/>
+                </a:solidFill>
+                <a:effectLst/>
+                <a:latin typeface="Arial" panose="020B0604020202020204" pitchFamily="34" charset="0"/>
+              </a:rPr>
+              <a:t>After</a:t>
+            </a:r>
+            <a:r>
+              <a:rPr lang="en-US" sz="1800" b="0" i="0" u="none" strike="noStrike" dirty="0">
+                <a:solidFill>
+                  <a:srgbClr val="000000"/>
+                </a:solidFill>
+                <a:effectLst/>
+                <a:latin typeface="Arial" panose="020B0604020202020204" pitchFamily="34" charset="0"/>
+              </a:rPr>
+              <a:t> the reservation, the agent moves along the path to the next node </a:t>
+            </a:r>
+            <a:r>
+              <a:rPr lang="en-US" sz="1800" b="1" i="0" u="none" strike="noStrike" dirty="0">
+                <a:solidFill>
+                  <a:srgbClr val="FF0000"/>
+                </a:solidFill>
+                <a:effectLst/>
+                <a:latin typeface="Arial" panose="020B0604020202020204" pitchFamily="34" charset="0"/>
+              </a:rPr>
+              <a:t>and</a:t>
+            </a:r>
+            <a:r>
+              <a:rPr lang="en-US" sz="1800" b="0" i="0" u="none" strike="noStrike" dirty="0">
+                <a:solidFill>
+                  <a:srgbClr val="000000"/>
+                </a:solidFill>
+                <a:effectLst/>
+                <a:latin typeface="Arial" panose="020B0604020202020204" pitchFamily="34" charset="0"/>
+              </a:rPr>
+              <a:t> repeats the previous processes.</a:t>
             </a:r>
             <a:endParaRPr lang="en-US" dirty="0"/>
           </a:p>
@@ -1293,7 +1063,7 @@
     </p:spTree>
     <p:extLst>
       <p:ext uri="{BB962C8B-B14F-4D97-AF65-F5344CB8AC3E}">
-        <p14:creationId xmlns:p14="http://schemas.microsoft.com/office/powerpoint/2010/main" val="823825387"/>
+        <p14:creationId xmlns:p14="http://schemas.microsoft.com/office/powerpoint/2010/main" val="1681626650"/>
       </p:ext>
     </p:extLst>
   </p:cSld>
@@ -1347,41 +1117,211 @@
           <a:bodyPr/>
           <a:lstStyle/>
           <a:p>
-            <a:r>
-              <a:rPr lang="en-US" dirty="0"/>
-              <a:t>The proposed method can </a:t>
-            </a:r>
-            <a:r>
-              <a:rPr lang="en-US" sz="1200" dirty="0">
-                <a:latin typeface="Times New Roman" panose="02020603050405020304" pitchFamily="18" charset="0"/>
-                <a:cs typeface="Times New Roman" panose="02020603050405020304" pitchFamily="18" charset="0"/>
+            <a:pPr rtl="0">
+              <a:spcBef>
+                <a:spcPts val="0"/>
+              </a:spcBef>
+              <a:spcAft>
+                <a:spcPts val="0"/>
+              </a:spcAft>
+            </a:pPr>
+            <a:r>
+              <a:rPr lang="en-US" sz="1800" b="0" i="0" u="none" strike="noStrike" dirty="0">
+                <a:solidFill>
+                  <a:srgbClr val="000000"/>
+                </a:solidFill>
+                <a:effectLst/>
+                <a:latin typeface="Arial" panose="020B0604020202020204" pitchFamily="34" charset="0"/>
               </a:rPr>
-              <a:t>drastically shorten the A* algorithm’s </a:t>
-            </a:r>
-            <a:r>
-              <a:rPr lang="en-US" sz="1200" b="1" dirty="0">
+              <a:t>Here is our reservation algorithm.</a:t>
+            </a:r>
+            <a:endParaRPr lang="en-US" b="0" dirty="0">
+              <a:effectLst/>
+            </a:endParaRPr>
+          </a:p>
+          <a:p>
+            <a:pPr rtl="0">
+              <a:spcBef>
+                <a:spcPts val="0"/>
+              </a:spcBef>
+              <a:spcAft>
+                <a:spcPts val="0"/>
+              </a:spcAft>
+            </a:pPr>
+            <a:br>
+              <a:rPr lang="en-US" b="0" dirty="0">
+                <a:effectLst/>
+              </a:rPr>
+            </a:br>
+            <a:r>
+              <a:rPr lang="en-US" sz="1800" b="0" i="0" u="none" strike="noStrike" dirty="0">
+                <a:solidFill>
+                  <a:srgbClr val="000000"/>
+                </a:solidFill>
+                <a:effectLst/>
+                <a:latin typeface="Arial" panose="020B0604020202020204" pitchFamily="34" charset="0"/>
+              </a:rPr>
+              <a:t>Until the agent reaches its destination. </a:t>
+            </a:r>
+            <a:endParaRPr lang="en-US" b="0" dirty="0">
+              <a:effectLst/>
+            </a:endParaRPr>
+          </a:p>
+          <a:p>
+            <a:pPr rtl="0">
+              <a:spcBef>
+                <a:spcPts val="0"/>
+              </a:spcBef>
+              <a:spcAft>
+                <a:spcPts val="0"/>
+              </a:spcAft>
+            </a:pPr>
+            <a:r>
+              <a:rPr lang="en-US" sz="1800" b="0" i="0" u="none" strike="noStrike" dirty="0">
+                <a:solidFill>
+                  <a:srgbClr val="000000"/>
+                </a:solidFill>
+                <a:effectLst/>
+                <a:latin typeface="Arial" panose="020B0604020202020204" pitchFamily="34" charset="0"/>
+              </a:rPr>
+              <a:t>It constructs a multi-resolution graph, </a:t>
+            </a:r>
+            <a:endParaRPr lang="en-US" b="0" dirty="0">
+              <a:effectLst/>
+            </a:endParaRPr>
+          </a:p>
+          <a:p>
+            <a:pPr rtl="0">
+              <a:spcBef>
+                <a:spcPts val="0"/>
+              </a:spcBef>
+              <a:spcAft>
+                <a:spcPts val="0"/>
+              </a:spcAft>
+            </a:pPr>
+            <a:r>
+              <a:rPr lang="en-US" sz="1800" b="0" i="0" u="none" strike="noStrike" dirty="0">
+                <a:solidFill>
+                  <a:srgbClr val="000000"/>
+                </a:solidFill>
+                <a:effectLst/>
+                <a:latin typeface="Arial" panose="020B0604020202020204" pitchFamily="34" charset="0"/>
+              </a:rPr>
+              <a:t>defines the initial block and the goal block,</a:t>
+            </a:r>
+            <a:r>
+              <a:rPr lang="en-US" sz="1800" b="1" i="0" u="none" strike="noStrike" dirty="0">
                 <a:solidFill>
                   <a:srgbClr val="FF0000"/>
                 </a:solidFill>
-                <a:latin typeface="Times New Roman" panose="02020603050405020304" pitchFamily="18" charset="0"/>
-                <a:cs typeface="Times New Roman" panose="02020603050405020304" pitchFamily="18" charset="0"/>
+                <a:effectLst/>
+                <a:latin typeface="Arial" panose="020B0604020202020204" pitchFamily="34" charset="0"/>
               </a:rPr>
-              <a:t>run time and makes real-time path-planning and reservation possible</a:t>
-            </a:r>
-          </a:p>
-          <a:p>
-            <a:r>
-              <a:rPr lang="en-US" sz="1200" b="1" dirty="0">
+              <a:t> </a:t>
+            </a:r>
+            <a:endParaRPr lang="en-US" b="0" dirty="0">
+              <a:effectLst/>
+            </a:endParaRPr>
+          </a:p>
+          <a:p>
+            <a:pPr rtl="0">
+              <a:spcBef>
+                <a:spcPts val="0"/>
+              </a:spcBef>
+              <a:spcAft>
+                <a:spcPts val="0"/>
+              </a:spcAft>
+            </a:pPr>
+            <a:r>
+              <a:rPr lang="en-US" sz="1800" b="1" i="0" u="none" strike="noStrike" dirty="0">
                 <a:solidFill>
                   <a:srgbClr val="FF0000"/>
                 </a:solidFill>
-                <a:latin typeface="Times New Roman" panose="02020603050405020304" pitchFamily="18" charset="0"/>
-                <a:cs typeface="Times New Roman" panose="02020603050405020304" pitchFamily="18" charset="0"/>
+                <a:effectLst/>
+                <a:latin typeface="Arial" panose="020B0604020202020204" pitchFamily="34" charset="0"/>
               </a:rPr>
-              <a:t>In the future, we would like to implement this method in a 3D real-time city with high density air traffic. </a:t>
-            </a:r>
-          </a:p>
-          <a:p>
+              <a:t>runs MSA* to find the optimal path from the initial block to the goal block</a:t>
+            </a:r>
+            <a:r>
+              <a:rPr lang="en-US" sz="1800" b="0" i="0" u="none" strike="noStrike" dirty="0">
+                <a:solidFill>
+                  <a:srgbClr val="000000"/>
+                </a:solidFill>
+                <a:effectLst/>
+                <a:latin typeface="Arial" panose="020B0604020202020204" pitchFamily="34" charset="0"/>
+              </a:rPr>
+              <a:t>.</a:t>
+            </a:r>
+          </a:p>
+          <a:p>
+            <a:pPr rtl="0">
+              <a:spcBef>
+                <a:spcPts val="0"/>
+              </a:spcBef>
+              <a:spcAft>
+                <a:spcPts val="0"/>
+              </a:spcAft>
+            </a:pPr>
+            <a:r>
+              <a:rPr lang="en-US" sz="1800" b="0" i="0" u="none" strike="noStrike" dirty="0">
+                <a:solidFill>
+                  <a:srgbClr val="000000"/>
+                </a:solidFill>
+                <a:effectLst/>
+                <a:latin typeface="Arial" panose="020B0604020202020204" pitchFamily="34" charset="0"/>
+              </a:rPr>
+              <a:t>Then, it reserve the nodes in the front of the path. </a:t>
+            </a:r>
+            <a:endParaRPr lang="en-US" b="0" dirty="0">
+              <a:effectLst/>
+            </a:endParaRPr>
+          </a:p>
+          <a:p>
+            <a:br>
+              <a:rPr lang="en-US" b="0" dirty="0">
+                <a:effectLst/>
+              </a:rPr>
+            </a:br>
+            <a:r>
+              <a:rPr lang="en-US" sz="1800" b="1" i="0" u="none" strike="noStrike" dirty="0">
+                <a:solidFill>
+                  <a:srgbClr val="FF0000"/>
+                </a:solidFill>
+                <a:effectLst/>
+                <a:latin typeface="Arial" panose="020B0604020202020204" pitchFamily="34" charset="0"/>
+              </a:rPr>
+              <a:t>After</a:t>
+            </a:r>
+            <a:r>
+              <a:rPr lang="en-US" sz="1800" b="0" i="0" u="none" strike="noStrike" dirty="0">
+                <a:solidFill>
+                  <a:srgbClr val="000000"/>
+                </a:solidFill>
+                <a:effectLst/>
+                <a:latin typeface="Arial" panose="020B0604020202020204" pitchFamily="34" charset="0"/>
+              </a:rPr>
+              <a:t> the reservation, the agent moves along the path to the next node </a:t>
+            </a:r>
+            <a:r>
+              <a:rPr lang="en-US" sz="1800" b="1" i="0" u="none" strike="noStrike" dirty="0">
+                <a:solidFill>
+                  <a:srgbClr val="FF0000"/>
+                </a:solidFill>
+                <a:effectLst/>
+                <a:latin typeface="Arial" panose="020B0604020202020204" pitchFamily="34" charset="0"/>
+              </a:rPr>
+              <a:t>and</a:t>
+            </a:r>
+            <a:r>
+              <a:rPr lang="en-US" sz="1800" b="0" i="0" u="none" strike="noStrike" dirty="0">
+                <a:solidFill>
+                  <a:srgbClr val="000000"/>
+                </a:solidFill>
+                <a:effectLst/>
+                <a:latin typeface="Arial" panose="020B0604020202020204" pitchFamily="34" charset="0"/>
+              </a:rPr>
+              <a:t> repeats the previous processes.</a:t>
+            </a:r>
             <a:endParaRPr lang="en-US" dirty="0"/>
           </a:p>
         </p:txBody>
@@ -1412,7 +1352,7 @@
     </p:spTree>
     <p:extLst>
       <p:ext uri="{BB962C8B-B14F-4D97-AF65-F5344CB8AC3E}">
-        <p14:creationId xmlns:p14="http://schemas.microsoft.com/office/powerpoint/2010/main" val="974858540"/>
+        <p14:creationId xmlns:p14="http://schemas.microsoft.com/office/powerpoint/2010/main" val="553384458"/>
       </p:ext>
     </p:extLst>
   </p:cSld>
@@ -1466,6 +1406,36 @@
           <a:bodyPr/>
           <a:lstStyle/>
           <a:p>
+            <a:r>
+              <a:rPr lang="en-US" sz="1800" b="0" i="0" u="none" strike="noStrike" dirty="0">
+                <a:solidFill>
+                  <a:srgbClr val="000000"/>
+                </a:solidFill>
+                <a:effectLst/>
+                <a:latin typeface="Arial" panose="020B0604020202020204" pitchFamily="34" charset="0"/>
+              </a:rPr>
+              <a:t>We also test the MSA* in dynamic environment. The experiences show that the agent moving with MSA*, can reach the destination and avoid the moving </a:t>
+            </a:r>
+            <a:r>
+              <a:rPr lang="en-US" sz="1800" b="1" i="0" u="none" strike="noStrike" dirty="0">
+                <a:solidFill>
+                  <a:srgbClr val="FF0000"/>
+                </a:solidFill>
+                <a:effectLst/>
+                <a:latin typeface="Arial" panose="020B0604020202020204" pitchFamily="34" charset="0"/>
+              </a:rPr>
+              <a:t>obstacle</a:t>
+            </a:r>
+            <a:r>
+              <a:rPr lang="en-US" sz="1800" b="0" i="0" u="none" strike="noStrike" dirty="0">
+                <a:solidFill>
+                  <a:srgbClr val="000000"/>
+                </a:solidFill>
+                <a:effectLst/>
+                <a:latin typeface="Arial" panose="020B0604020202020204" pitchFamily="34" charset="0"/>
+              </a:rPr>
+              <a:t>. </a:t>
+            </a:r>
             <a:endParaRPr lang="en-US" dirty="0"/>
           </a:p>
         </p:txBody>
@@ -1488,6 +1458,209 @@
             <a:fld id="{6D127987-8334-724A-8AA1-A18D1F5046A1}" type="slidenum">
               <a:rPr lang="en-US" smtClean="0"/>
               <a:t>14</a:t>
+            </a:fld>
+            <a:endParaRPr lang="en-US"/>
+          </a:p>
+        </p:txBody>
+      </p:sp>
+    </p:spTree>
+    <p:extLst>
+      <p:ext uri="{BB962C8B-B14F-4D97-AF65-F5344CB8AC3E}">
+        <p14:creationId xmlns:p14="http://schemas.microsoft.com/office/powerpoint/2010/main" val="823825387"/>
+      </p:ext>
+    </p:extLst>
+  </p:cSld>
+  <p:clrMapOvr>
+    <a:masterClrMapping/>
+  </p:clrMapOvr>
+</p:notes>
+</file>
+
+<file path=ppt/notesSlides/notesSlide15.xml><?xml version="1.0" encoding="utf-8"?>
+<p:notes xmlns:a="http://schemas.openxmlformats.org/drawingml/2006/main" xmlns:r="http://schemas.openxmlformats.org/officeDocument/2006/relationships" xmlns:p="http://schemas.openxmlformats.org/presentationml/2006/main">
+  <p:cSld>
+    <p:spTree>
+      <p:nvGrpSpPr>
+        <p:cNvPr id="1" name=""/>
+        <p:cNvGrpSpPr/>
+        <p:nvPr/>
+      </p:nvGrpSpPr>
+      <p:grpSpPr>
+        <a:xfrm>
+          <a:off x="0" y="0"/>
+          <a:ext cx="0" cy="0"/>
+          <a:chOff x="0" y="0"/>
+          <a:chExt cx="0" cy="0"/>
+        </a:xfrm>
+      </p:grpSpPr>
+      <p:sp>
+        <p:nvSpPr>
+          <p:cNvPr id="2" name="Slide Image Placeholder 1"/>
+          <p:cNvSpPr>
+            <a:spLocks noGrp="1" noRot="1" noChangeAspect="1"/>
+          </p:cNvSpPr>
+          <p:nvPr>
+            <p:ph type="sldImg"/>
+          </p:nvPr>
+        </p:nvSpPr>
+        <p:spPr/>
+      </p:sp>
+      <p:sp>
+        <p:nvSpPr>
+          <p:cNvPr id="3" name="Notes Placeholder 2"/>
+          <p:cNvSpPr>
+            <a:spLocks noGrp="1"/>
+          </p:cNvSpPr>
+          <p:nvPr>
+            <p:ph type="body" idx="1"/>
+          </p:nvPr>
+        </p:nvSpPr>
+        <p:spPr/>
+        <p:txBody>
+          <a:bodyPr/>
+          <a:lstStyle/>
+          <a:p>
+            <a:r>
+              <a:rPr lang="en-US" dirty="0"/>
+              <a:t>The proposed method can </a:t>
+            </a:r>
+            <a:r>
+              <a:rPr lang="en-US" sz="1200" dirty="0">
+                <a:latin typeface="Times New Roman" panose="02020603050405020304" pitchFamily="18" charset="0"/>
+                <a:cs typeface="Times New Roman" panose="02020603050405020304" pitchFamily="18" charset="0"/>
+              </a:rPr>
+              <a:t>drastically shorten the A* algorithm’s </a:t>
+            </a:r>
+            <a:r>
+              <a:rPr lang="en-US" sz="1200" b="1" dirty="0">
+                <a:solidFill>
+                  <a:srgbClr val="FF0000"/>
+                </a:solidFill>
+                <a:latin typeface="Times New Roman" panose="02020603050405020304" pitchFamily="18" charset="0"/>
+                <a:cs typeface="Times New Roman" panose="02020603050405020304" pitchFamily="18" charset="0"/>
+              </a:rPr>
+              <a:t>run time and makes real-time path-planning and reservation possible</a:t>
+            </a:r>
+          </a:p>
+          <a:p>
+            <a:r>
+              <a:rPr lang="en-US" sz="1200" b="1" dirty="0">
+                <a:solidFill>
+                  <a:srgbClr val="FF0000"/>
+                </a:solidFill>
+                <a:latin typeface="Times New Roman" panose="02020603050405020304" pitchFamily="18" charset="0"/>
+                <a:cs typeface="Times New Roman" panose="02020603050405020304" pitchFamily="18" charset="0"/>
+              </a:rPr>
+              <a:t>In the future, we would like to implement this method in a 3D real-time city with high density air traffic. </a:t>
+            </a:r>
+          </a:p>
+          <a:p>
+            <a:endParaRPr lang="en-US" dirty="0"/>
+          </a:p>
+        </p:txBody>
+      </p:sp>
+      <p:sp>
+        <p:nvSpPr>
+          <p:cNvPr id="4" name="Slide Number Placeholder 3"/>
+          <p:cNvSpPr>
+            <a:spLocks noGrp="1"/>
+          </p:cNvSpPr>
+          <p:nvPr>
+            <p:ph type="sldNum" sz="quarter" idx="5"/>
+          </p:nvPr>
+        </p:nvSpPr>
+        <p:spPr/>
+        <p:txBody>
+          <a:bodyPr/>
+          <a:lstStyle/>
+          <a:p>
+            <a:fld id="{6D127987-8334-724A-8AA1-A18D1F5046A1}" type="slidenum">
+              <a:rPr lang="en-US" smtClean="0"/>
+              <a:t>15</a:t>
+            </a:fld>
+            <a:endParaRPr lang="en-US"/>
+          </a:p>
+        </p:txBody>
+      </p:sp>
+    </p:spTree>
+    <p:extLst>
+      <p:ext uri="{BB962C8B-B14F-4D97-AF65-F5344CB8AC3E}">
+        <p14:creationId xmlns:p14="http://schemas.microsoft.com/office/powerpoint/2010/main" val="974858540"/>
+      </p:ext>
+    </p:extLst>
+  </p:cSld>
+  <p:clrMapOvr>
+    <a:masterClrMapping/>
+  </p:clrMapOvr>
+</p:notes>
+</file>
+
+<file path=ppt/notesSlides/notesSlide16.xml><?xml version="1.0" encoding="utf-8"?>
+<p:notes xmlns:a="http://schemas.openxmlformats.org/drawingml/2006/main" xmlns:r="http://schemas.openxmlformats.org/officeDocument/2006/relationships" xmlns:p="http://schemas.openxmlformats.org/presentationml/2006/main">
+  <p:cSld>
+    <p:spTree>
+      <p:nvGrpSpPr>
+        <p:cNvPr id="1" name=""/>
+        <p:cNvGrpSpPr/>
+        <p:nvPr/>
+      </p:nvGrpSpPr>
+      <p:grpSpPr>
+        <a:xfrm>
+          <a:off x="0" y="0"/>
+          <a:ext cx="0" cy="0"/>
+          <a:chOff x="0" y="0"/>
+          <a:chExt cx="0" cy="0"/>
+        </a:xfrm>
+      </p:grpSpPr>
+      <p:sp>
+        <p:nvSpPr>
+          <p:cNvPr id="2" name="Slide Image Placeholder 1"/>
+          <p:cNvSpPr>
+            <a:spLocks noGrp="1" noRot="1" noChangeAspect="1"/>
+          </p:cNvSpPr>
+          <p:nvPr>
+            <p:ph type="sldImg"/>
+          </p:nvPr>
+        </p:nvSpPr>
+        <p:spPr/>
+      </p:sp>
+      <p:sp>
+        <p:nvSpPr>
+          <p:cNvPr id="3" name="Notes Placeholder 2"/>
+          <p:cNvSpPr>
+            <a:spLocks noGrp="1"/>
+          </p:cNvSpPr>
+          <p:nvPr>
+            <p:ph type="body" idx="1"/>
+          </p:nvPr>
+        </p:nvSpPr>
+        <p:spPr/>
+        <p:txBody>
+          <a:bodyPr/>
+          <a:lstStyle/>
+          <a:p>
+            <a:endParaRPr lang="en-US" dirty="0"/>
+          </a:p>
+        </p:txBody>
+      </p:sp>
+      <p:sp>
+        <p:nvSpPr>
+          <p:cNvPr id="4" name="Slide Number Placeholder 3"/>
+          <p:cNvSpPr>
+            <a:spLocks noGrp="1"/>
+          </p:cNvSpPr>
+          <p:nvPr>
+            <p:ph type="sldNum" sz="quarter" idx="5"/>
+          </p:nvPr>
+        </p:nvSpPr>
+        <p:spPr/>
+        <p:txBody>
+          <a:bodyPr/>
+          <a:lstStyle/>
+          <a:p>
+            <a:fld id="{6D127987-8334-724A-8AA1-A18D1F5046A1}" type="slidenum">
+              <a:rPr lang="en-US" smtClean="0"/>
+              <a:t>16</a:t>
             </a:fld>
             <a:endParaRPr lang="en-US"/>
           </a:p>
@@ -2384,7 +2557,7 @@
     </p:spTree>
     <p:extLst>
       <p:ext uri="{BB962C8B-B14F-4D97-AF65-F5344CB8AC3E}">
-        <p14:creationId xmlns:p14="http://schemas.microsoft.com/office/powerpoint/2010/main" val="3050927889"/>
+        <p14:creationId xmlns:p14="http://schemas.microsoft.com/office/powerpoint/2010/main" val="702126310"/>
       </p:ext>
     </p:extLst>
   </p:cSld>
@@ -2471,7 +2644,7 @@
     </p:spTree>
     <p:extLst>
       <p:ext uri="{BB962C8B-B14F-4D97-AF65-F5344CB8AC3E}">
-        <p14:creationId xmlns:p14="http://schemas.microsoft.com/office/powerpoint/2010/main" val="2398848532"/>
+        <p14:creationId xmlns:p14="http://schemas.microsoft.com/office/powerpoint/2010/main" val="3050927889"/>
       </p:ext>
     </p:extLst>
   </p:cSld>
@@ -2763,7 +2936,7 @@
           <a:p>
             <a:fld id="{EDC4F30A-7E22-CB4E-91A2-012FD870FDD5}" type="datetime1">
               <a:rPr lang="en-US" smtClean="0"/>
-              <a:t>1/2/2024</a:t>
+              <a:t>1/3/2024</a:t>
             </a:fld>
             <a:endParaRPr lang="en-US"/>
           </a:p>
@@ -3144,7 +3317,7 @@
           <a:p>
             <a:fld id="{1785D9FF-B758-2B49-8BD6-4B9420C9AB90}" type="datetime1">
               <a:rPr lang="en-US" smtClean="0"/>
-              <a:t>1/2/2024</a:t>
+              <a:t>1/3/2024</a:t>
             </a:fld>
             <a:endParaRPr lang="en-US"/>
           </a:p>
@@ -3595,7 +3768,7 @@
           <a:p>
             <a:fld id="{1785D9FF-B758-2B49-8BD6-4B9420C9AB90}" type="datetime1">
               <a:rPr lang="en-US" smtClean="0"/>
-              <a:t>1/2/2024</a:t>
+              <a:t>1/3/2024</a:t>
             </a:fld>
             <a:endParaRPr lang="en-US"/>
           </a:p>
@@ -4084,7 +4257,7 @@
           <a:p>
             <a:r>
               <a:rPr lang="en-US" dirty="0"/>
-              <a:t>  Department of Electrical and Computer Engineering, Department of Aerospace Engineering, SDSU </a:t>
+              <a:t>  Department of ECE and AE, SDSU </a:t>
             </a:r>
           </a:p>
         </p:txBody>
@@ -4196,7 +4369,7 @@
           <p:cNvPr id="2" name="Text Placeholder 1">
             <a:extLst>
               <a:ext uri="{FF2B5EF4-FFF2-40B4-BE49-F238E27FC236}">
-                <a16:creationId xmlns:a16="http://schemas.microsoft.com/office/drawing/2014/main" id="{14140708-8CDB-487C-BB83-F1E6BA5E8EB9}"/>
+                <a16:creationId xmlns:a16="http://schemas.microsoft.com/office/drawing/2014/main" id="{4D1E8702-3F00-41AE-92BB-7B7829E827FB}"/>
               </a:ext>
             </a:extLst>
           </p:cNvPr>
@@ -4216,7 +4389,7 @@
           <a:p>
             <a:r>
               <a:rPr lang="en-US" dirty="0"/>
-              <a:t>Experience example(random)</a:t>
+              <a:t>Generate Heuristic with NNs(Backbone)</a:t>
             </a:r>
           </a:p>
         </p:txBody>
@@ -4226,7 +4399,7 @@
           <p:cNvPr id="3" name="Slide Number Placeholder 2">
             <a:extLst>
               <a:ext uri="{FF2B5EF4-FFF2-40B4-BE49-F238E27FC236}">
-                <a16:creationId xmlns:a16="http://schemas.microsoft.com/office/drawing/2014/main" id="{D65BA695-DAA9-4179-BC13-119A195EAC68}"/>
+                <a16:creationId xmlns:a16="http://schemas.microsoft.com/office/drawing/2014/main" id="{37464941-5C04-4887-8FA7-B528B89EB9BA}"/>
               </a:ext>
             </a:extLst>
           </p:cNvPr>
@@ -4254,10 +4427,10 @@
       </p:sp>
       <p:pic>
         <p:nvPicPr>
-          <p:cNvPr id="6" name="Picture 5" descr="A crossword puzzle with numbers and symbols&#10;&#10;Description automatically generated">
-            <a:extLst>
-              <a:ext uri="{FF2B5EF4-FFF2-40B4-BE49-F238E27FC236}">
-                <a16:creationId xmlns:a16="http://schemas.microsoft.com/office/drawing/2014/main" id="{C899436E-0089-A841-9DAD-1A387D37116C}"/>
+          <p:cNvPr id="5" name="Picture 4" descr="A diagram of a software system&#10;&#10;Description automatically generated">
+            <a:extLst>
+              <a:ext uri="{FF2B5EF4-FFF2-40B4-BE49-F238E27FC236}">
+                <a16:creationId xmlns:a16="http://schemas.microsoft.com/office/drawing/2014/main" id="{2B31E719-A800-773A-5951-BA38C3981B6C}"/>
               </a:ext>
             </a:extLst>
           </p:cNvPr>
@@ -4266,73 +4439,16 @@
           </p:cNvPicPr>
           <p:nvPr/>
         </p:nvPicPr>
-        <p:blipFill rotWithShape="1">
+        <p:blipFill>
           <a:blip r:embed="rId3"/>
-          <a:srcRect l="17959" r="10142"/>
-          <a:stretch/>
+          <a:stretch>
+            <a:fillRect/>
+          </a:stretch>
         </p:blipFill>
         <p:spPr>
           <a:xfrm>
-            <a:off x="541976" y="1600197"/>
-            <a:ext cx="3457325" cy="3205720"/>
-          </a:xfrm>
-          <a:prstGeom prst="rect">
-            <a:avLst/>
-          </a:prstGeom>
-        </p:spPr>
-      </p:pic>
-      <p:pic>
-        <p:nvPicPr>
-          <p:cNvPr id="8" name="Picture 7" descr="A crossword puzzle with numbers and symbols&#10;&#10;Description automatically generated">
-            <a:extLst>
-              <a:ext uri="{FF2B5EF4-FFF2-40B4-BE49-F238E27FC236}">
-                <a16:creationId xmlns:a16="http://schemas.microsoft.com/office/drawing/2014/main" id="{F8105F42-2BC4-C8DB-AE57-C360A74DEC8E}"/>
-              </a:ext>
-            </a:extLst>
-          </p:cNvPr>
-          <p:cNvPicPr>
-            <a:picLocks noChangeAspect="1"/>
-          </p:cNvPicPr>
-          <p:nvPr/>
-        </p:nvPicPr>
-        <p:blipFill rotWithShape="1">
-          <a:blip r:embed="rId4"/>
-          <a:srcRect l="17183" r="10918"/>
-          <a:stretch/>
-        </p:blipFill>
-        <p:spPr>
-          <a:xfrm>
-            <a:off x="4367336" y="1600197"/>
-            <a:ext cx="3457326" cy="3205721"/>
-          </a:xfrm>
-          <a:prstGeom prst="rect">
-            <a:avLst/>
-          </a:prstGeom>
-        </p:spPr>
-      </p:pic>
-      <p:pic>
-        <p:nvPicPr>
-          <p:cNvPr id="10" name="Picture 9" descr="A crossword puzzle with numbers and symbols&#10;&#10;Description automatically generated">
-            <a:extLst>
-              <a:ext uri="{FF2B5EF4-FFF2-40B4-BE49-F238E27FC236}">
-                <a16:creationId xmlns:a16="http://schemas.microsoft.com/office/drawing/2014/main" id="{912FC0CA-8F17-6533-CA36-E3DDB038FE61}"/>
-              </a:ext>
-            </a:extLst>
-          </p:cNvPr>
-          <p:cNvPicPr>
-            <a:picLocks noChangeAspect="1"/>
-          </p:cNvPicPr>
-          <p:nvPr/>
-        </p:nvPicPr>
-        <p:blipFill rotWithShape="1">
-          <a:blip r:embed="rId3"/>
-          <a:srcRect l="17959" r="10142"/>
-          <a:stretch/>
-        </p:blipFill>
-        <p:spPr>
-          <a:xfrm>
-            <a:off x="8192698" y="1600197"/>
-            <a:ext cx="3457326" cy="3205721"/>
+            <a:off x="1168493" y="1117705"/>
+            <a:ext cx="9855013" cy="5543444"/>
           </a:xfrm>
           <a:prstGeom prst="rect">
             <a:avLst/>
@@ -4342,7 +4458,7 @@
     </p:spTree>
     <p:extLst>
       <p:ext uri="{BB962C8B-B14F-4D97-AF65-F5344CB8AC3E}">
-        <p14:creationId xmlns:p14="http://schemas.microsoft.com/office/powerpoint/2010/main" val="3483132603"/>
+        <p14:creationId xmlns:p14="http://schemas.microsoft.com/office/powerpoint/2010/main" val="2155002649"/>
       </p:ext>
     </p:extLst>
   </p:cSld>
@@ -4374,7 +4490,7 @@
           <p:cNvPr id="2" name="Text Placeholder 1">
             <a:extLst>
               <a:ext uri="{FF2B5EF4-FFF2-40B4-BE49-F238E27FC236}">
-                <a16:creationId xmlns:a16="http://schemas.microsoft.com/office/drawing/2014/main" id="{14140708-8CDB-487C-BB83-F1E6BA5E8EB9}"/>
+                <a16:creationId xmlns:a16="http://schemas.microsoft.com/office/drawing/2014/main" id="{1FF57D27-0139-9F93-E13C-CC545564919C}"/>
               </a:ext>
             </a:extLst>
           </p:cNvPr>
@@ -4387,14 +4503,12 @@
         </p:nvSpPr>
         <p:spPr/>
         <p:txBody>
-          <a:bodyPr>
-            <a:normAutofit/>
-          </a:bodyPr>
+          <a:bodyPr/>
           <a:lstStyle/>
           <a:p>
             <a:r>
               <a:rPr lang="en-US" dirty="0"/>
-              <a:t>Experience example(wind flow)</a:t>
+              <a:t>Training </a:t>
             </a:r>
           </a:p>
         </p:txBody>
@@ -4404,7 +4518,7 @@
           <p:cNvPr id="3" name="Slide Number Placeholder 2">
             <a:extLst>
               <a:ext uri="{FF2B5EF4-FFF2-40B4-BE49-F238E27FC236}">
-                <a16:creationId xmlns:a16="http://schemas.microsoft.com/office/drawing/2014/main" id="{D65BA695-DAA9-4179-BC13-119A195EAC68}"/>
+                <a16:creationId xmlns:a16="http://schemas.microsoft.com/office/drawing/2014/main" id="{F5C49FB8-5CF3-EE6F-747A-2CF65388290D}"/>
               </a:ext>
             </a:extLst>
           </p:cNvPr>
@@ -4425,6 +4539,427 @@
               <a:rPr lang="en-US" smtClean="0"/>
               <a:pPr algn="r"/>
               <a:t>11</a:t>
+            </a:fld>
+            <a:endParaRPr lang="en-US" dirty="0"/>
+          </a:p>
+        </p:txBody>
+      </p:sp>
+      <p:sp>
+        <p:nvSpPr>
+          <p:cNvPr id="5" name="TextBox 4">
+            <a:extLst>
+              <a:ext uri="{FF2B5EF4-FFF2-40B4-BE49-F238E27FC236}">
+                <a16:creationId xmlns:a16="http://schemas.microsoft.com/office/drawing/2014/main" id="{C945D5FA-E338-1464-76C5-865796D5FF04}"/>
+              </a:ext>
+            </a:extLst>
+          </p:cNvPr>
+          <p:cNvSpPr txBox="1"/>
+          <p:nvPr/>
+        </p:nvSpPr>
+        <p:spPr>
+          <a:xfrm>
+            <a:off x="846713" y="825282"/>
+            <a:ext cx="10934161" cy="2677656"/>
+          </a:xfrm>
+          <a:prstGeom prst="rect">
+            <a:avLst/>
+          </a:prstGeom>
+          <a:noFill/>
+        </p:spPr>
+        <p:txBody>
+          <a:bodyPr wrap="square" rtlCol="0">
+            <a:spAutoFit/>
+          </a:bodyPr>
+          <a:lstStyle/>
+          <a:p>
+            <a:pPr marL="285750" indent="-285750">
+              <a:buFont typeface="Arial" panose="020B0604020202020204" pitchFamily="34" charset="0"/>
+              <a:buChar char="•"/>
+            </a:pPr>
+            <a:r>
+              <a:rPr lang="en-US" sz="2400" dirty="0">
+                <a:latin typeface="Times New Roman" panose="02020603050405020304" pitchFamily="18" charset="0"/>
+                <a:cs typeface="Times New Roman" panose="02020603050405020304" pitchFamily="18" charset="0"/>
+              </a:rPr>
+              <a:t>Two datasets. </a:t>
+            </a:r>
+          </a:p>
+          <a:p>
+            <a:pPr marL="285750" indent="-285750">
+              <a:buFont typeface="Arial" panose="020B0604020202020204" pitchFamily="34" charset="0"/>
+              <a:buChar char="•"/>
+            </a:pPr>
+            <a:r>
+              <a:rPr lang="en-US" sz="2400" dirty="0">
+                <a:latin typeface="Times New Roman" panose="02020603050405020304" pitchFamily="18" charset="0"/>
+                <a:cs typeface="Times New Roman" panose="02020603050405020304" pitchFamily="18" charset="0"/>
+              </a:rPr>
+              <a:t>Random map: 471 maps and 4896699 cases for training, 52 maps and 528952 cases for test. 20% safe, 20% dangerous, 60% risky.</a:t>
+            </a:r>
+          </a:p>
+          <a:p>
+            <a:pPr marL="285750" indent="-285750">
+              <a:buFont typeface="Arial" panose="020B0604020202020204" pitchFamily="34" charset="0"/>
+              <a:buChar char="•"/>
+            </a:pPr>
+            <a:r>
+              <a:rPr lang="en-US" sz="2400" dirty="0">
+                <a:latin typeface="Times New Roman" panose="02020603050405020304" pitchFamily="18" charset="0"/>
+                <a:cs typeface="Times New Roman" panose="02020603050405020304" pitchFamily="18" charset="0"/>
+              </a:rPr>
+              <a:t>Wind flow map: 995 maps and 9339265 cases for training, and 84 maps and 802934 cases for test. Both map has fixed safety threshold. From a city wind flow simulator.</a:t>
+            </a:r>
+          </a:p>
+          <a:p>
+            <a:pPr marL="285750" indent="-285750">
+              <a:buFont typeface="Arial" panose="020B0604020202020204" pitchFamily="34" charset="0"/>
+              <a:buChar char="•"/>
+            </a:pPr>
+            <a:r>
+              <a:rPr lang="en-US" sz="2400" dirty="0">
+                <a:latin typeface="Times New Roman" panose="02020603050405020304" pitchFamily="18" charset="0"/>
+                <a:cs typeface="Times New Roman" panose="02020603050405020304" pitchFamily="18" charset="0"/>
+              </a:rPr>
+              <a:t>GPU: Nvidia RTX3090</a:t>
+            </a:r>
+          </a:p>
+          <a:p>
+            <a:pPr marL="285750" indent="-285750">
+              <a:buFont typeface="Arial" panose="020B0604020202020204" pitchFamily="34" charset="0"/>
+              <a:buChar char="•"/>
+            </a:pPr>
+            <a:r>
+              <a:rPr lang="en-US" sz="2400" dirty="0">
+                <a:latin typeface="Times New Roman" panose="02020603050405020304" pitchFamily="18" charset="0"/>
+                <a:cs typeface="Times New Roman" panose="02020603050405020304" pitchFamily="18" charset="0"/>
+              </a:rPr>
+              <a:t>Time: 350 hours for random and 250 hours for wind flow.</a:t>
+            </a:r>
+          </a:p>
+        </p:txBody>
+      </p:sp>
+      <p:pic>
+        <p:nvPicPr>
+          <p:cNvPr id="6" name="Picture 5" descr="A map of a random map&#10;&#10;Description automatically generated with medium confidence">
+            <a:extLst>
+              <a:ext uri="{FF2B5EF4-FFF2-40B4-BE49-F238E27FC236}">
+                <a16:creationId xmlns:a16="http://schemas.microsoft.com/office/drawing/2014/main" id="{83E3F3D1-00C2-E5D0-8AD3-6B10118D9D3E}"/>
+              </a:ext>
+            </a:extLst>
+          </p:cNvPr>
+          <p:cNvPicPr>
+            <a:picLocks noChangeAspect="1"/>
+          </p:cNvPicPr>
+          <p:nvPr/>
+        </p:nvPicPr>
+        <p:blipFill rotWithShape="1">
+          <a:blip r:embed="rId3"/>
+          <a:srcRect l="18825" r="9297"/>
+          <a:stretch/>
+        </p:blipFill>
+        <p:spPr>
+          <a:xfrm>
+            <a:off x="2072681" y="3455428"/>
+            <a:ext cx="3456269" cy="3205721"/>
+          </a:xfrm>
+          <a:prstGeom prst="rect">
+            <a:avLst/>
+          </a:prstGeom>
+        </p:spPr>
+      </p:pic>
+      <p:pic>
+        <p:nvPicPr>
+          <p:cNvPr id="7" name="Picture 6" descr="A graph of a wind flow map&#10;&#10;Description automatically generated">
+            <a:extLst>
+              <a:ext uri="{FF2B5EF4-FFF2-40B4-BE49-F238E27FC236}">
+                <a16:creationId xmlns:a16="http://schemas.microsoft.com/office/drawing/2014/main" id="{3CC1BB88-3E3A-B60E-AF32-C451DE8D44F0}"/>
+              </a:ext>
+            </a:extLst>
+          </p:cNvPr>
+          <p:cNvPicPr>
+            <a:picLocks noChangeAspect="1"/>
+          </p:cNvPicPr>
+          <p:nvPr/>
+        </p:nvPicPr>
+        <p:blipFill rotWithShape="1">
+          <a:blip r:embed="rId4"/>
+          <a:srcRect l="14096" r="6413"/>
+          <a:stretch/>
+        </p:blipFill>
+        <p:spPr>
+          <a:xfrm>
+            <a:off x="6461718" y="3502938"/>
+            <a:ext cx="3657601" cy="3067497"/>
+          </a:xfrm>
+          <a:prstGeom prst="rect">
+            <a:avLst/>
+          </a:prstGeom>
+        </p:spPr>
+      </p:pic>
+    </p:spTree>
+    <p:extLst>
+      <p:ext uri="{BB962C8B-B14F-4D97-AF65-F5344CB8AC3E}">
+        <p14:creationId xmlns:p14="http://schemas.microsoft.com/office/powerpoint/2010/main" val="874414297"/>
+      </p:ext>
+    </p:extLst>
+  </p:cSld>
+  <p:clrMapOvr>
+    <a:masterClrMapping/>
+  </p:clrMapOvr>
+</p:sld>
+</file>
+
+<file path=ppt/slides/slide12.xml><?xml version="1.0" encoding="utf-8"?>
+<p:sld xmlns:a="http://schemas.openxmlformats.org/drawingml/2006/main" xmlns:r="http://schemas.openxmlformats.org/officeDocument/2006/relationships" xmlns:p="http://schemas.openxmlformats.org/presentationml/2006/main">
+  <p:cSld>
+    <p:spTree>
+      <p:nvGrpSpPr>
+        <p:cNvPr id="1" name=""/>
+        <p:cNvGrpSpPr/>
+        <p:nvPr/>
+      </p:nvGrpSpPr>
+      <p:grpSpPr>
+        <a:xfrm>
+          <a:off x="0" y="0"/>
+          <a:ext cx="0" cy="0"/>
+          <a:chOff x="0" y="0"/>
+          <a:chExt cx="0" cy="0"/>
+        </a:xfrm>
+      </p:grpSpPr>
+      <p:sp>
+        <p:nvSpPr>
+          <p:cNvPr id="2" name="Text Placeholder 1">
+            <a:extLst>
+              <a:ext uri="{FF2B5EF4-FFF2-40B4-BE49-F238E27FC236}">
+                <a16:creationId xmlns:a16="http://schemas.microsoft.com/office/drawing/2014/main" id="{14140708-8CDB-487C-BB83-F1E6BA5E8EB9}"/>
+              </a:ext>
+            </a:extLst>
+          </p:cNvPr>
+          <p:cNvSpPr>
+            <a:spLocks noGrp="1"/>
+          </p:cNvSpPr>
+          <p:nvPr>
+            <p:ph type="body" idx="1"/>
+          </p:nvPr>
+        </p:nvSpPr>
+        <p:spPr/>
+        <p:txBody>
+          <a:bodyPr>
+            <a:normAutofit/>
+          </a:bodyPr>
+          <a:lstStyle/>
+          <a:p>
+            <a:r>
+              <a:rPr lang="en-US" dirty="0"/>
+              <a:t>Experience Example(Random)</a:t>
+            </a:r>
+          </a:p>
+        </p:txBody>
+      </p:sp>
+      <p:sp>
+        <p:nvSpPr>
+          <p:cNvPr id="3" name="Slide Number Placeholder 2">
+            <a:extLst>
+              <a:ext uri="{FF2B5EF4-FFF2-40B4-BE49-F238E27FC236}">
+                <a16:creationId xmlns:a16="http://schemas.microsoft.com/office/drawing/2014/main" id="{D65BA695-DAA9-4179-BC13-119A195EAC68}"/>
+              </a:ext>
+            </a:extLst>
+          </p:cNvPr>
+          <p:cNvSpPr>
+            <a:spLocks noGrp="1"/>
+          </p:cNvSpPr>
+          <p:nvPr>
+            <p:ph type="sldNum" sz="quarter" idx="12"/>
+          </p:nvPr>
+        </p:nvSpPr>
+        <p:spPr/>
+        <p:txBody>
+          <a:bodyPr/>
+          <a:lstStyle/>
+          <a:p>
+            <a:pPr algn="r"/>
+            <a:fld id="{3D78CF80-E55C-904B-9CBD-E4C82074FD1C}" type="slidenum">
+              <a:rPr lang="en-US" smtClean="0"/>
+              <a:pPr algn="r"/>
+              <a:t>12</a:t>
+            </a:fld>
+            <a:endParaRPr lang="en-US" dirty="0"/>
+          </a:p>
+        </p:txBody>
+      </p:sp>
+      <p:pic>
+        <p:nvPicPr>
+          <p:cNvPr id="8" name="Picture 7" descr="A crossword puzzle with numbers and symbols&#10;&#10;Description automatically generated">
+            <a:extLst>
+              <a:ext uri="{FF2B5EF4-FFF2-40B4-BE49-F238E27FC236}">
+                <a16:creationId xmlns:a16="http://schemas.microsoft.com/office/drawing/2014/main" id="{F8105F42-2BC4-C8DB-AE57-C360A74DEC8E}"/>
+              </a:ext>
+            </a:extLst>
+          </p:cNvPr>
+          <p:cNvPicPr>
+            <a:picLocks noChangeAspect="1"/>
+          </p:cNvPicPr>
+          <p:nvPr/>
+        </p:nvPicPr>
+        <p:blipFill rotWithShape="1">
+          <a:blip r:embed="rId3"/>
+          <a:srcRect l="17183" r="10918"/>
+          <a:stretch/>
+        </p:blipFill>
+        <p:spPr>
+          <a:xfrm>
+            <a:off x="4282275" y="1600196"/>
+            <a:ext cx="3457326" cy="3205721"/>
+          </a:xfrm>
+          <a:prstGeom prst="rect">
+            <a:avLst/>
+          </a:prstGeom>
+        </p:spPr>
+      </p:pic>
+      <p:pic>
+        <p:nvPicPr>
+          <p:cNvPr id="10" name="Picture 9" descr="A crossword puzzle with numbers and symbols&#10;&#10;Description automatically generated">
+            <a:extLst>
+              <a:ext uri="{FF2B5EF4-FFF2-40B4-BE49-F238E27FC236}">
+                <a16:creationId xmlns:a16="http://schemas.microsoft.com/office/drawing/2014/main" id="{912FC0CA-8F17-6533-CA36-E3DDB038FE61}"/>
+              </a:ext>
+            </a:extLst>
+          </p:cNvPr>
+          <p:cNvPicPr>
+            <a:picLocks noChangeAspect="1"/>
+          </p:cNvPicPr>
+          <p:nvPr/>
+        </p:nvPicPr>
+        <p:blipFill rotWithShape="1">
+          <a:blip r:embed="rId4"/>
+          <a:srcRect l="17959" r="10142"/>
+          <a:stretch/>
+        </p:blipFill>
+        <p:spPr>
+          <a:xfrm>
+            <a:off x="8045025" y="1600197"/>
+            <a:ext cx="3457326" cy="3205721"/>
+          </a:xfrm>
+          <a:prstGeom prst="rect">
+            <a:avLst/>
+          </a:prstGeom>
+        </p:spPr>
+      </p:pic>
+      <p:pic>
+        <p:nvPicPr>
+          <p:cNvPr id="5" name="Picture 4" descr="A map of a random map&#10;&#10;Description automatically generated with medium confidence">
+            <a:extLst>
+              <a:ext uri="{FF2B5EF4-FFF2-40B4-BE49-F238E27FC236}">
+                <a16:creationId xmlns:a16="http://schemas.microsoft.com/office/drawing/2014/main" id="{4B0E3FC6-8DFE-5A71-19BC-B7579751B4DE}"/>
+              </a:ext>
+            </a:extLst>
+          </p:cNvPr>
+          <p:cNvPicPr>
+            <a:picLocks noChangeAspect="1"/>
+          </p:cNvPicPr>
+          <p:nvPr/>
+        </p:nvPicPr>
+        <p:blipFill rotWithShape="1">
+          <a:blip r:embed="rId5"/>
+          <a:srcRect l="18825" r="9297"/>
+          <a:stretch/>
+        </p:blipFill>
+        <p:spPr>
+          <a:xfrm>
+            <a:off x="543031" y="1600197"/>
+            <a:ext cx="3456269" cy="3205721"/>
+          </a:xfrm>
+          <a:prstGeom prst="rect">
+            <a:avLst/>
+          </a:prstGeom>
+        </p:spPr>
+      </p:pic>
+    </p:spTree>
+    <p:extLst>
+      <p:ext uri="{BB962C8B-B14F-4D97-AF65-F5344CB8AC3E}">
+        <p14:creationId xmlns:p14="http://schemas.microsoft.com/office/powerpoint/2010/main" val="3483132603"/>
+      </p:ext>
+    </p:extLst>
+  </p:cSld>
+  <p:clrMapOvr>
+    <a:masterClrMapping/>
+  </p:clrMapOvr>
+</p:sld>
+</file>
+
+<file path=ppt/slides/slide13.xml><?xml version="1.0" encoding="utf-8"?>
+<p:sld xmlns:a="http://schemas.openxmlformats.org/drawingml/2006/main" xmlns:r="http://schemas.openxmlformats.org/officeDocument/2006/relationships" xmlns:p="http://schemas.openxmlformats.org/presentationml/2006/main">
+  <p:cSld>
+    <p:spTree>
+      <p:nvGrpSpPr>
+        <p:cNvPr id="1" name=""/>
+        <p:cNvGrpSpPr/>
+        <p:nvPr/>
+      </p:nvGrpSpPr>
+      <p:grpSpPr>
+        <a:xfrm>
+          <a:off x="0" y="0"/>
+          <a:ext cx="0" cy="0"/>
+          <a:chOff x="0" y="0"/>
+          <a:chExt cx="0" cy="0"/>
+        </a:xfrm>
+      </p:grpSpPr>
+      <p:sp>
+        <p:nvSpPr>
+          <p:cNvPr id="2" name="Text Placeholder 1">
+            <a:extLst>
+              <a:ext uri="{FF2B5EF4-FFF2-40B4-BE49-F238E27FC236}">
+                <a16:creationId xmlns:a16="http://schemas.microsoft.com/office/drawing/2014/main" id="{14140708-8CDB-487C-BB83-F1E6BA5E8EB9}"/>
+              </a:ext>
+            </a:extLst>
+          </p:cNvPr>
+          <p:cNvSpPr>
+            <a:spLocks noGrp="1"/>
+          </p:cNvSpPr>
+          <p:nvPr>
+            <p:ph type="body" idx="1"/>
+          </p:nvPr>
+        </p:nvSpPr>
+        <p:spPr/>
+        <p:txBody>
+          <a:bodyPr>
+            <a:normAutofit/>
+          </a:bodyPr>
+          <a:lstStyle/>
+          <a:p>
+            <a:r>
+              <a:rPr lang="en-US" dirty="0"/>
+              <a:t>Experience Example(Wind Flow)</a:t>
+            </a:r>
+          </a:p>
+        </p:txBody>
+      </p:sp>
+      <p:sp>
+        <p:nvSpPr>
+          <p:cNvPr id="3" name="Slide Number Placeholder 2">
+            <a:extLst>
+              <a:ext uri="{FF2B5EF4-FFF2-40B4-BE49-F238E27FC236}">
+                <a16:creationId xmlns:a16="http://schemas.microsoft.com/office/drawing/2014/main" id="{D65BA695-DAA9-4179-BC13-119A195EAC68}"/>
+              </a:ext>
+            </a:extLst>
+          </p:cNvPr>
+          <p:cNvSpPr>
+            <a:spLocks noGrp="1"/>
+          </p:cNvSpPr>
+          <p:nvPr>
+            <p:ph type="sldNum" sz="quarter" idx="12"/>
+          </p:nvPr>
+        </p:nvSpPr>
+        <p:spPr/>
+        <p:txBody>
+          <a:bodyPr/>
+          <a:lstStyle/>
+          <a:p>
+            <a:pPr algn="r"/>
+            <a:fld id="{3D78CF80-E55C-904B-9CBD-E4C82074FD1C}" type="slidenum">
+              <a:rPr lang="en-US" smtClean="0"/>
+              <a:pPr algn="r"/>
+              <a:t>13</a:t>
             </a:fld>
             <a:endParaRPr lang="en-US" dirty="0"/>
           </a:p>
@@ -4530,7 +5065,7 @@
 </p:sld>
 </file>
 
-<file path=ppt/slides/slide12.xml><?xml version="1.0" encoding="utf-8"?>
+<file path=ppt/slides/slide14.xml><?xml version="1.0" encoding="utf-8"?>
 <p:sld xmlns:a="http://schemas.openxmlformats.org/drawingml/2006/main" xmlns:r="http://schemas.openxmlformats.org/officeDocument/2006/relationships" xmlns:p="http://schemas.openxmlformats.org/presentationml/2006/main">
   <p:cSld>
     <p:spTree>
@@ -4600,7 +5135,7 @@
             <a:fld id="{3D78CF80-E55C-904B-9CBD-E4C82074FD1C}" type="slidenum">
               <a:rPr lang="en-US" smtClean="0"/>
               <a:pPr algn="r"/>
-              <a:t>12</a:t>
+              <a:t>14</a:t>
             </a:fld>
             <a:endParaRPr lang="en-US" dirty="0"/>
           </a:p>
@@ -4679,7 +5214,7 @@
 </p:sld>
 </file>
 
-<file path=ppt/slides/slide13.xml><?xml version="1.0" encoding="utf-8"?>
+<file path=ppt/slides/slide15.xml><?xml version="1.0" encoding="utf-8"?>
 <p:sld xmlns:a="http://schemas.openxmlformats.org/drawingml/2006/main" xmlns:r="http://schemas.openxmlformats.org/officeDocument/2006/relationships" xmlns:p="http://schemas.openxmlformats.org/presentationml/2006/main">
   <p:cSld>
     <p:spTree>
@@ -4749,7 +5284,7 @@
             <a:fld id="{3D78CF80-E55C-904B-9CBD-E4C82074FD1C}" type="slidenum">
               <a:rPr lang="en-US" smtClean="0"/>
               <a:pPr algn="r"/>
-              <a:t>13</a:t>
+              <a:t>15</a:t>
             </a:fld>
             <a:endParaRPr lang="en-US" dirty="0"/>
           </a:p>
@@ -4894,7 +5429,7 @@
 </p:sld>
 </file>
 
-<file path=ppt/slides/slide14.xml><?xml version="1.0" encoding="utf-8"?>
+<file path=ppt/slides/slide16.xml><?xml version="1.0" encoding="utf-8"?>
 <p:sld xmlns:a="http://schemas.openxmlformats.org/drawingml/2006/main" xmlns:r="http://schemas.openxmlformats.org/officeDocument/2006/relationships" xmlns:p="http://schemas.openxmlformats.org/presentationml/2006/main">
   <p:cSld>
     <p:spTree>
@@ -5296,7 +5831,15 @@
           <a:p>
             <a:r>
               <a:rPr lang="en-US" dirty="0"/>
-              <a:t>Problem Statement</a:t>
+              <a:t>Problem </a:t>
+            </a:r>
+            <a:r>
+              <a:rPr lang="en-US" altLang="zh-CN" dirty="0"/>
+              <a:t>S</a:t>
+            </a:r>
+            <a:r>
+              <a:rPr lang="en-US" dirty="0"/>
+              <a:t>tatement</a:t>
             </a:r>
           </a:p>
         </p:txBody>
@@ -5437,8 +5980,8 @@
         </p:blipFill>
         <p:spPr>
           <a:xfrm>
-            <a:off x="-685757" y="1974044"/>
-            <a:ext cx="8665318" cy="2909912"/>
+            <a:off x="-1802175" y="2185468"/>
+            <a:ext cx="10807598" cy="3629314"/>
           </a:xfrm>
           <a:prstGeom prst="rect">
             <a:avLst/>
@@ -5498,7 +6041,7 @@
           <a:p>
             <a:r>
               <a:rPr lang="en-US" dirty="0"/>
-              <a:t>Traditional way to solve CSP</a:t>
+              <a:t>Traditional Way to Solve CSP</a:t>
             </a:r>
           </a:p>
         </p:txBody>
@@ -5549,7 +6092,7 @@
         <p:spPr>
           <a:xfrm>
             <a:off x="751020" y="1668101"/>
-            <a:ext cx="6478996" cy="1938992"/>
+            <a:ext cx="7393520" cy="1938992"/>
           </a:xfrm>
           <a:prstGeom prst="rect">
             <a:avLst/>
@@ -5571,7 +6114,7 @@
                 <a:latin typeface="Times New Roman" panose="02020603050405020304" pitchFamily="18" charset="0"/>
                 <a:cs typeface="Times New Roman" panose="02020603050405020304" pitchFamily="18" charset="0"/>
               </a:rPr>
-              <a:t>Dynamic programming via the labeling of nodes</a:t>
+              <a:t>Dynamic programming via the labeling of nodes[1]</a:t>
             </a:r>
           </a:p>
           <a:p>
@@ -5591,7 +6134,7 @@
                 <a:latin typeface="Times New Roman" panose="02020603050405020304" pitchFamily="18" charset="0"/>
                 <a:cs typeface="Times New Roman" panose="02020603050405020304" pitchFamily="18" charset="0"/>
               </a:rPr>
-              <a:t> Relaxation</a:t>
+              <a:t> Relaxation[2]</a:t>
             </a:r>
           </a:p>
           <a:p>
@@ -5604,7 +6147,7 @@
                 <a:latin typeface="Times New Roman" panose="02020603050405020304" pitchFamily="18" charset="0"/>
                 <a:cs typeface="Times New Roman" panose="02020603050405020304" pitchFamily="18" charset="0"/>
               </a:rPr>
-              <a:t>Kth-shortest path</a:t>
+              <a:t>Kth-shortest path[3]</a:t>
             </a:r>
           </a:p>
           <a:p>
@@ -5718,6 +6261,72 @@
               <a:latin typeface="Times New Roman" panose="02020603050405020304" pitchFamily="18" charset="0"/>
               <a:cs typeface="Times New Roman" panose="02020603050405020304" pitchFamily="18" charset="0"/>
             </a:endParaRPr>
+          </a:p>
+        </p:txBody>
+      </p:sp>
+      <p:sp>
+        <p:nvSpPr>
+          <p:cNvPr id="7" name="TextBox 6">
+            <a:extLst>
+              <a:ext uri="{FF2B5EF4-FFF2-40B4-BE49-F238E27FC236}">
+                <a16:creationId xmlns:a16="http://schemas.microsoft.com/office/drawing/2014/main" id="{5489BD11-E72C-6D16-3472-2581025D7395}"/>
+              </a:ext>
+            </a:extLst>
+          </p:cNvPr>
+          <p:cNvSpPr txBox="1"/>
+          <p:nvPr/>
+        </p:nvSpPr>
+        <p:spPr>
+          <a:xfrm>
+            <a:off x="624662" y="5688418"/>
+            <a:ext cx="11113682" cy="1384995"/>
+          </a:xfrm>
+          <a:prstGeom prst="rect">
+            <a:avLst/>
+          </a:prstGeom>
+          <a:noFill/>
+        </p:spPr>
+        <p:txBody>
+          <a:bodyPr wrap="square">
+            <a:spAutoFit/>
+          </a:bodyPr>
+          <a:lstStyle/>
+          <a:p>
+            <a:r>
+              <a:rPr lang="en-US" sz="1400" dirty="0"/>
+              <a:t>reference: [1] Desrochers, M. and </a:t>
+            </a:r>
+            <a:r>
+              <a:rPr lang="en-US" sz="1400" dirty="0" err="1"/>
+              <a:t>Soumis</a:t>
+            </a:r>
+            <a:r>
+              <a:rPr lang="en-US" sz="1400" dirty="0"/>
+              <a:t>, F., “A generalized permanent labelling algorithm for the shortest path problem with time windows,” INFOR: Information Systems and Operational Research, Vol. 26, No. 3, 1988, pp. 191–212.</a:t>
+            </a:r>
+          </a:p>
+          <a:p>
+            <a:r>
+              <a:rPr lang="en-US" sz="1400" dirty="0"/>
+              <a:t>[2] Handler, G. Y. and Zang, I., “A dual algorithm for the constrained shortest path problem,” Networks, Vol. 10, No. 4, 1980, pp. 293–309.</a:t>
+            </a:r>
+          </a:p>
+          <a:p>
+            <a:r>
+              <a:rPr lang="en-US" sz="1400" dirty="0"/>
+              <a:t>[3] </a:t>
+            </a:r>
+            <a:r>
+              <a:rPr lang="en-US" sz="1400" dirty="0" err="1"/>
+              <a:t>Dumitrescu</a:t>
+            </a:r>
+            <a:r>
+              <a:rPr lang="en-US" sz="1400" dirty="0"/>
+              <a:t>, I. and Boland, N., “Improved preprocessing, labeling and scaling algorithms for the weight-constrained shortest path problem,” Networks: An International Journal, Vol. 42, No. 3, 2003, pp. 135–153.</a:t>
+            </a:r>
+          </a:p>
+          <a:p>
+            <a:endParaRPr lang="en-US" sz="1400" dirty="0"/>
           </a:p>
         </p:txBody>
       </p:sp>
@@ -5956,8 +6565,8 @@
           </a:extLst>
         </p:spPr>
       </p:pic>
-      <mc:AlternateContent xmlns:mc="http://schemas.openxmlformats.org/markup-compatibility/2006">
-        <mc:Choice xmlns:a14="http://schemas.microsoft.com/office/drawing/2010/main" Requires="a14">
+      <mc:AlternateContent xmlns:mc="http://schemas.openxmlformats.org/markup-compatibility/2006" xmlns:a14="http://schemas.microsoft.com/office/drawing/2010/main">
+        <mc:Choice Requires="a14">
           <p:sp>
             <p:nvSpPr>
               <p:cNvPr id="16" name="TextBox 15">
@@ -6082,7 +6691,7 @@
             </p:txBody>
           </p:sp>
         </mc:Choice>
-        <mc:Fallback>
+        <mc:Fallback xmlns="">
           <p:sp>
             <p:nvSpPr>
               <p:cNvPr id="16" name="TextBox 15">
@@ -6248,7 +6857,7 @@
           <a:p>
             <a:r>
               <a:rPr lang="en-US" dirty="0"/>
-              <a:t>Additional safe dimension A* algorithm</a:t>
+              <a:t>Additional Safe Dimension A* Algorithm</a:t>
             </a:r>
           </a:p>
           <a:p>
@@ -6347,6 +6956,86 @@
           </a:prstGeom>
         </p:spPr>
       </p:pic>
+      <p:cxnSp>
+        <p:nvCxnSpPr>
+          <p:cNvPr id="6" name="Straight Arrow Connector 5">
+            <a:extLst>
+              <a:ext uri="{FF2B5EF4-FFF2-40B4-BE49-F238E27FC236}">
+                <a16:creationId xmlns:a16="http://schemas.microsoft.com/office/drawing/2014/main" id="{68A7FDED-1B17-0D4D-C0EE-E88192C14B93}"/>
+              </a:ext>
+            </a:extLst>
+          </p:cNvPr>
+          <p:cNvCxnSpPr>
+            <a:cxnSpLocks/>
+          </p:cNvCxnSpPr>
+          <p:nvPr/>
+        </p:nvCxnSpPr>
+        <p:spPr>
+          <a:xfrm flipV="1">
+            <a:off x="10568762" y="1972339"/>
+            <a:ext cx="0" cy="2806995"/>
+          </a:xfrm>
+          <a:prstGeom prst="straightConnector1">
+            <a:avLst/>
+          </a:prstGeom>
+          <a:ln w="57150">
+            <a:tailEnd type="triangle"/>
+          </a:ln>
+        </p:spPr>
+        <p:style>
+          <a:lnRef idx="1">
+            <a:schemeClr val="accent1"/>
+          </a:lnRef>
+          <a:fillRef idx="0">
+            <a:schemeClr val="accent1"/>
+          </a:fillRef>
+          <a:effectRef idx="0">
+            <a:schemeClr val="accent1"/>
+          </a:effectRef>
+          <a:fontRef idx="minor">
+            <a:schemeClr val="tx1"/>
+          </a:fontRef>
+        </p:style>
+      </p:cxnSp>
+      <p:sp>
+        <p:nvSpPr>
+          <p:cNvPr id="11" name="TextBox 10">
+            <a:extLst>
+              <a:ext uri="{FF2B5EF4-FFF2-40B4-BE49-F238E27FC236}">
+                <a16:creationId xmlns:a16="http://schemas.microsoft.com/office/drawing/2014/main" id="{44C4C6F1-30DB-82E6-B390-1997956C92CB}"/>
+              </a:ext>
+            </a:extLst>
+          </p:cNvPr>
+          <p:cNvSpPr txBox="1"/>
+          <p:nvPr/>
+        </p:nvSpPr>
+        <p:spPr>
+          <a:xfrm>
+            <a:off x="10571429" y="2065224"/>
+            <a:ext cx="925032" cy="369332"/>
+          </a:xfrm>
+          <a:prstGeom prst="rect">
+            <a:avLst/>
+          </a:prstGeom>
+          <a:noFill/>
+        </p:spPr>
+        <p:txBody>
+          <a:bodyPr wrap="square" rtlCol="0">
+            <a:spAutoFit/>
+          </a:bodyPr>
+          <a:lstStyle/>
+          <a:p>
+            <a:r>
+              <a:rPr lang="en-US" dirty="0">
+                <a:solidFill>
+                  <a:schemeClr val="accent1"/>
+                </a:solidFill>
+              </a:rPr>
+              <a:t>safety</a:t>
+            </a:r>
+          </a:p>
+        </p:txBody>
+      </p:sp>
     </p:spTree>
     <p:extLst>
       <p:ext uri="{BB962C8B-B14F-4D97-AF65-F5344CB8AC3E}">
@@ -6551,7 +7240,7 @@
         <p:spPr>
           <a:xfrm>
             <a:off x="846712" y="2793677"/>
-            <a:ext cx="6081835" cy="1384995"/>
+            <a:ext cx="6081835" cy="2308324"/>
           </a:xfrm>
           <a:prstGeom prst="rect">
             <a:avLst/>
@@ -6565,13 +7254,13 @@
           <a:lstStyle/>
           <a:p>
             <a:r>
-              <a:rPr lang="en-US" sz="2800" b="1" dirty="0">
+              <a:rPr lang="en-US" sz="3600" b="1" dirty="0">
                 <a:latin typeface="Times New Roman" panose="02020603050405020304" pitchFamily="18" charset="0"/>
                 <a:cs typeface="Times New Roman" panose="02020603050405020304" pitchFamily="18" charset="0"/>
               </a:rPr>
               <a:t>However, all of those heuristic are not very efficient in a risk map. Because many shorter ways are blocked</a:t>
             </a:r>
-            <a:endParaRPr lang="en-US" sz="2800" b="1" dirty="0"/>
+            <a:endParaRPr lang="en-US" sz="3600" b="1" dirty="0"/>
           </a:p>
         </p:txBody>
       </p:sp>
@@ -6660,7 +7349,7 @@
           <a:p>
             <a:r>
               <a:rPr lang="en-US" dirty="0"/>
-              <a:t>Generate Heuristic with NNs(input)</a:t>
+              <a:t>Generate Heuristic with NNs</a:t>
             </a:r>
           </a:p>
         </p:txBody>
@@ -6710,16 +7399,44 @@
           </p:cNvPicPr>
           <p:nvPr/>
         </p:nvPicPr>
-        <p:blipFill>
+        <p:blipFill rotWithShape="1">
           <a:blip r:embed="rId3"/>
-          <a:stretch>
-            <a:fillRect/>
-          </a:stretch>
+          <a:srcRect t="19161" b="20606"/>
+          <a:stretch/>
         </p:blipFill>
         <p:spPr>
           <a:xfrm>
-            <a:off x="1371600" y="853474"/>
-            <a:ext cx="9643730" cy="5424597"/>
+            <a:off x="2855619" y="837027"/>
+            <a:ext cx="6958323" cy="2357559"/>
+          </a:xfrm>
+          <a:prstGeom prst="rect">
+            <a:avLst/>
+          </a:prstGeom>
+        </p:spPr>
+      </p:pic>
+      <p:pic>
+        <p:nvPicPr>
+          <p:cNvPr id="4" name="Picture 3" descr="A diagram of a software system&#10;&#10;Description automatically generated">
+            <a:extLst>
+              <a:ext uri="{FF2B5EF4-FFF2-40B4-BE49-F238E27FC236}">
+                <a16:creationId xmlns:a16="http://schemas.microsoft.com/office/drawing/2014/main" id="{66672E9F-70EB-6076-18D8-BC09D69B25D1}"/>
+              </a:ext>
+            </a:extLst>
+          </p:cNvPr>
+          <p:cNvPicPr>
+            <a:picLocks noChangeAspect="1"/>
+          </p:cNvPicPr>
+          <p:nvPr/>
+        </p:nvPicPr>
+        <p:blipFill rotWithShape="1">
+          <a:blip r:embed="rId4"/>
+          <a:srcRect t="4596" b="13261"/>
+          <a:stretch/>
+        </p:blipFill>
+        <p:spPr>
+          <a:xfrm>
+            <a:off x="2563726" y="3214391"/>
+            <a:ext cx="7064547" cy="3264196"/>
           </a:xfrm>
           <a:prstGeom prst="rect">
             <a:avLst/>
@@ -6729,7 +7446,7 @@
     </p:spTree>
     <p:extLst>
       <p:ext uri="{BB962C8B-B14F-4D97-AF65-F5344CB8AC3E}">
-        <p14:creationId xmlns:p14="http://schemas.microsoft.com/office/powerpoint/2010/main" val="4187247170"/>
+        <p14:creationId xmlns:p14="http://schemas.microsoft.com/office/powerpoint/2010/main" val="1628830390"/>
       </p:ext>
     </p:extLst>
   </p:cSld>
@@ -6781,7 +7498,7 @@
           <a:p>
             <a:r>
               <a:rPr lang="en-US" dirty="0"/>
-              <a:t>Generate Heuristic with NNs(backbone)</a:t>
+              <a:t>Generate Heuristic with NNs(Input)</a:t>
             </a:r>
           </a:p>
         </p:txBody>
@@ -6819,10 +7536,10 @@
       </p:sp>
       <p:pic>
         <p:nvPicPr>
-          <p:cNvPr id="5" name="Picture 4" descr="A diagram of a software system&#10;&#10;Description automatically generated">
-            <a:extLst>
-              <a:ext uri="{FF2B5EF4-FFF2-40B4-BE49-F238E27FC236}">
-                <a16:creationId xmlns:a16="http://schemas.microsoft.com/office/drawing/2014/main" id="{2B31E719-A800-773A-5951-BA38C3981B6C}"/>
+          <p:cNvPr id="9" name="Picture 8" descr="A diagram of a diagram&#10;&#10;Description automatically generated">
+            <a:extLst>
+              <a:ext uri="{FF2B5EF4-FFF2-40B4-BE49-F238E27FC236}">
+                <a16:creationId xmlns:a16="http://schemas.microsoft.com/office/drawing/2014/main" id="{CFE2C9F8-C35C-ACD6-A198-31F30DB70A2A}"/>
               </a:ext>
             </a:extLst>
           </p:cNvPr>
@@ -6839,8 +7556,8 @@
         </p:blipFill>
         <p:spPr>
           <a:xfrm>
-            <a:off x="1168493" y="1117705"/>
-            <a:ext cx="9855013" cy="5543444"/>
+            <a:off x="1371600" y="853474"/>
+            <a:ext cx="9643730" cy="5424597"/>
           </a:xfrm>
           <a:prstGeom prst="rect">
             <a:avLst/>
@@ -6850,7 +7567,7 @@
     </p:spTree>
     <p:extLst>
       <p:ext uri="{BB962C8B-B14F-4D97-AF65-F5344CB8AC3E}">
-        <p14:creationId xmlns:p14="http://schemas.microsoft.com/office/powerpoint/2010/main" val="2155002649"/>
+        <p14:creationId xmlns:p14="http://schemas.microsoft.com/office/powerpoint/2010/main" val="4187247170"/>
       </p:ext>
     </p:extLst>
   </p:cSld>
